--- a/database/Presentation.pptx
+++ b/database/Presentation.pptx
@@ -128,6 +128,30 @@
 
 <file path=ppt/changesInfos/changesInfo1.xml><?xml version="1.0" encoding="utf-8"?>
 <pc:chgInfo xmlns:a="http://schemas.openxmlformats.org/drawingml/2006/main" xmlns:r="http://schemas.openxmlformats.org/officeDocument/2006/relationships" xmlns:ac="http://schemas.microsoft.com/office/drawing/2013/main/command" xmlns:pc="http://schemas.microsoft.com/office/powerpoint/2013/main/command">
+  <pc:docChgLst>
+    <pc:chgData name="Kolby Sarson" userId="486ddba9d477bcb0" providerId="LiveId" clId="{A68256B4-1A11-4DE9-837D-F88AE0AF132A}"/>
+    <pc:docChg chg="custSel modSld">
+      <pc:chgData name="Kolby Sarson" userId="486ddba9d477bcb0" providerId="LiveId" clId="{A68256B4-1A11-4DE9-837D-F88AE0AF132A}" dt="2019-12-04T16:20:13.991" v="116" actId="20577"/>
+      <pc:docMkLst>
+        <pc:docMk/>
+      </pc:docMkLst>
+      <pc:sldChg chg="modSp">
+        <pc:chgData name="Kolby Sarson" userId="486ddba9d477bcb0" providerId="LiveId" clId="{A68256B4-1A11-4DE9-837D-F88AE0AF132A}" dt="2019-12-04T16:20:13.991" v="116" actId="20577"/>
+        <pc:sldMkLst>
+          <pc:docMk/>
+          <pc:sldMk cId="2253114384" sldId="262"/>
+        </pc:sldMkLst>
+        <pc:spChg chg="mod">
+          <ac:chgData name="Kolby Sarson" userId="486ddba9d477bcb0" providerId="LiveId" clId="{A68256B4-1A11-4DE9-837D-F88AE0AF132A}" dt="2019-12-04T16:20:13.991" v="116" actId="20577"/>
+          <ac:spMkLst>
+            <pc:docMk/>
+            <pc:sldMk cId="2253114384" sldId="262"/>
+            <ac:spMk id="3" creationId="{AF7730FD-66C8-49E6-BCA4-6A0385FA4220}"/>
+          </ac:spMkLst>
+        </pc:spChg>
+      </pc:sldChg>
+    </pc:docChg>
+  </pc:docChgLst>
   <pc:docChgLst>
     <pc:chgData name="Kolby Sarson" userId="486ddba9d477bcb0" providerId="LiveId" clId="{D1F8A759-30C5-4722-BA00-58FACC156A42}"/>
     <pc:docChg chg="undo custSel addSld delSld modSld sldOrd">
@@ -438,7 +462,7 @@
           <a:p>
             <a:fld id="{C29F3773-EC67-4D93-B359-461484980736}" type="datetimeFigureOut">
               <a:rPr lang="en-CA" smtClean="0"/>
-              <a:t>2019-12-03</a:t>
+              <a:t>2019-12-04</a:t>
             </a:fld>
             <a:endParaRPr lang="en-CA"/>
           </a:p>
@@ -713,7 +737,7 @@
           <a:p>
             <a:fld id="{C29F3773-EC67-4D93-B359-461484980736}" type="datetimeFigureOut">
               <a:rPr lang="en-CA" smtClean="0"/>
-              <a:t>2019-12-03</a:t>
+              <a:t>2019-12-04</a:t>
             </a:fld>
             <a:endParaRPr lang="en-CA"/>
           </a:p>
@@ -907,7 +931,7 @@
           <a:p>
             <a:fld id="{C29F3773-EC67-4D93-B359-461484980736}" type="datetimeFigureOut">
               <a:rPr lang="en-CA" smtClean="0"/>
-              <a:t>2019-12-03</a:t>
+              <a:t>2019-12-04</a:t>
             </a:fld>
             <a:endParaRPr lang="en-CA"/>
           </a:p>
@@ -1175,7 +1199,7 @@
           <a:p>
             <a:fld id="{C29F3773-EC67-4D93-B359-461484980736}" type="datetimeFigureOut">
               <a:rPr lang="en-CA" smtClean="0"/>
-              <a:t>2019-12-03</a:t>
+              <a:t>2019-12-04</a:t>
             </a:fld>
             <a:endParaRPr lang="en-CA"/>
           </a:p>
@@ -1507,7 +1531,7 @@
           <a:p>
             <a:fld id="{C29F3773-EC67-4D93-B359-461484980736}" type="datetimeFigureOut">
               <a:rPr lang="en-CA" smtClean="0"/>
-              <a:t>2019-12-03</a:t>
+              <a:t>2019-12-04</a:t>
             </a:fld>
             <a:endParaRPr lang="en-CA"/>
           </a:p>
@@ -2117,7 +2141,7 @@
           <a:p>
             <a:fld id="{C29F3773-EC67-4D93-B359-461484980736}" type="datetimeFigureOut">
               <a:rPr lang="en-CA" smtClean="0"/>
-              <a:t>2019-12-03</a:t>
+              <a:t>2019-12-04</a:t>
             </a:fld>
             <a:endParaRPr lang="en-CA"/>
           </a:p>
@@ -2964,7 +2988,7 @@
           <a:p>
             <a:fld id="{C29F3773-EC67-4D93-B359-461484980736}" type="datetimeFigureOut">
               <a:rPr lang="en-CA" smtClean="0"/>
-              <a:t>2019-12-03</a:t>
+              <a:t>2019-12-04</a:t>
             </a:fld>
             <a:endParaRPr lang="en-CA"/>
           </a:p>
@@ -3134,7 +3158,7 @@
           <a:p>
             <a:fld id="{C29F3773-EC67-4D93-B359-461484980736}" type="datetimeFigureOut">
               <a:rPr lang="en-CA" smtClean="0"/>
-              <a:t>2019-12-03</a:t>
+              <a:t>2019-12-04</a:t>
             </a:fld>
             <a:endParaRPr lang="en-CA"/>
           </a:p>
@@ -3314,7 +3338,7 @@
           <a:p>
             <a:fld id="{C29F3773-EC67-4D93-B359-461484980736}" type="datetimeFigureOut">
               <a:rPr lang="en-CA" smtClean="0"/>
-              <a:t>2019-12-03</a:t>
+              <a:t>2019-12-04</a:t>
             </a:fld>
             <a:endParaRPr lang="en-CA"/>
           </a:p>
@@ -3484,7 +3508,7 @@
           <a:p>
             <a:fld id="{C29F3773-EC67-4D93-B359-461484980736}" type="datetimeFigureOut">
               <a:rPr lang="en-CA" smtClean="0"/>
-              <a:t>2019-12-03</a:t>
+              <a:t>2019-12-04</a:t>
             </a:fld>
             <a:endParaRPr lang="en-CA"/>
           </a:p>
@@ -3728,7 +3752,7 @@
           <a:p>
             <a:fld id="{C29F3773-EC67-4D93-B359-461484980736}" type="datetimeFigureOut">
               <a:rPr lang="en-CA" smtClean="0"/>
-              <a:t>2019-12-03</a:t>
+              <a:t>2019-12-04</a:t>
             </a:fld>
             <a:endParaRPr lang="en-CA"/>
           </a:p>
@@ -4020,7 +4044,7 @@
           <a:p>
             <a:fld id="{C29F3773-EC67-4D93-B359-461484980736}" type="datetimeFigureOut">
               <a:rPr lang="en-CA" smtClean="0"/>
-              <a:t>2019-12-03</a:t>
+              <a:t>2019-12-04</a:t>
             </a:fld>
             <a:endParaRPr lang="en-CA"/>
           </a:p>
@@ -4458,7 +4482,7 @@
           <a:p>
             <a:fld id="{C29F3773-EC67-4D93-B359-461484980736}" type="datetimeFigureOut">
               <a:rPr lang="en-CA" smtClean="0"/>
-              <a:t>2019-12-03</a:t>
+              <a:t>2019-12-04</a:t>
             </a:fld>
             <a:endParaRPr lang="en-CA"/>
           </a:p>
@@ -4576,7 +4600,7 @@
           <a:p>
             <a:fld id="{C29F3773-EC67-4D93-B359-461484980736}" type="datetimeFigureOut">
               <a:rPr lang="en-CA" smtClean="0"/>
-              <a:t>2019-12-03</a:t>
+              <a:t>2019-12-04</a:t>
             </a:fld>
             <a:endParaRPr lang="en-CA"/>
           </a:p>
@@ -4671,7 +4695,7 @@
           <a:p>
             <a:fld id="{C29F3773-EC67-4D93-B359-461484980736}" type="datetimeFigureOut">
               <a:rPr lang="en-CA" smtClean="0"/>
-              <a:t>2019-12-03</a:t>
+              <a:t>2019-12-04</a:t>
             </a:fld>
             <a:endParaRPr lang="en-CA"/>
           </a:p>
@@ -4950,7 +4974,7 @@
           <a:p>
             <a:fld id="{C29F3773-EC67-4D93-B359-461484980736}" type="datetimeFigureOut">
               <a:rPr lang="en-CA" smtClean="0"/>
-              <a:t>2019-12-03</a:t>
+              <a:t>2019-12-04</a:t>
             </a:fld>
             <a:endParaRPr lang="en-CA"/>
           </a:p>
@@ -5225,7 +5249,7 @@
           <a:p>
             <a:fld id="{C29F3773-EC67-4D93-B359-461484980736}" type="datetimeFigureOut">
               <a:rPr lang="en-CA" smtClean="0"/>
-              <a:t>2019-12-03</a:t>
+              <a:t>2019-12-04</a:t>
             </a:fld>
             <a:endParaRPr lang="en-CA"/>
           </a:p>
@@ -5654,7 +5678,7 @@
           <a:p>
             <a:fld id="{C29F3773-EC67-4D93-B359-461484980736}" type="datetimeFigureOut">
               <a:rPr lang="en-CA" smtClean="0"/>
-              <a:t>2019-12-03</a:t>
+              <a:t>2019-12-04</a:t>
             </a:fld>
             <a:endParaRPr lang="en-CA"/>
           </a:p>
@@ -8043,7 +8067,9 @@
         </p:nvSpPr>
         <p:spPr/>
         <p:txBody>
-          <a:bodyPr/>
+          <a:bodyPr>
+            <a:normAutofit lnSpcReduction="10000"/>
+          </a:bodyPr>
           <a:lstStyle/>
           <a:p>
             <a:r>
@@ -8081,15 +8107,7 @@
             <a:pPr lvl="1"/>
             <a:r>
               <a:rPr lang="en-US" dirty="0"/>
-              <a:t>Uses the sum </a:t>
-            </a:r>
-            <a:r>
-              <a:rPr lang="en-US"/>
-              <a:t>and the count </a:t>
-            </a:r>
-            <a:r>
-              <a:rPr lang="en-US" dirty="0"/>
-              <a:t>to calculate the GPA</a:t>
+              <a:t>Uses the sum and the count to calculate the GPA</a:t>
             </a:r>
           </a:p>
           <a:p>
@@ -8136,6 +8154,17 @@
               <a:rPr lang="en-US" dirty="0"/>
               <a:t>() is called again to account for the update grade</a:t>
             </a:r>
+          </a:p>
+          <a:p>
+            <a:r>
+              <a:rPr lang="en-US" dirty="0"/>
+              <a:t>** Initial data may not be accurate to what would </a:t>
+            </a:r>
+            <a:r>
+              <a:rPr lang="en-US"/>
+              <a:t>be expected</a:t>
+            </a:r>
+            <a:endParaRPr lang="en-US" dirty="0"/>
           </a:p>
         </p:txBody>
       </p:sp>
